--- a/10) 추상클래스.pptx
+++ b/10) 추상클래스.pptx
@@ -15613,7 +15613,35 @@
                   <a:latin typeface="맑은 고딕" panose="020B0503020000020004" pitchFamily="50" charset="-127"/>
                   <a:ea typeface="맑은 고딕" panose="020B0503020000020004" pitchFamily="50" charset="-127"/>
                 </a:rPr>
-                <a:t>    public void Display() {</a:t>
+                <a:t>    public </a:t>
+              </a:r>
+              <a:r>
+                <a:rPr lang="en-US" altLang="ko-KR" sz="1200">
+                  <a:ln>
+                    <a:solidFill>
+                      <a:schemeClr val="tx1">
+                        <a:alpha val="30000"/>
+                      </a:schemeClr>
+                    </a:solidFill>
+                  </a:ln>
+                  <a:latin typeface="맑은 고딕" panose="020B0503020000020004" pitchFamily="50" charset="-127"/>
+                  <a:ea typeface="맑은 고딕" panose="020B0503020000020004" pitchFamily="50" charset="-127"/>
+                </a:rPr>
+                <a:t>void display</a:t>
+              </a:r>
+              <a:r>
+                <a:rPr lang="en-US" altLang="ko-KR" sz="1200" dirty="0">
+                  <a:ln>
+                    <a:solidFill>
+                      <a:schemeClr val="tx1">
+                        <a:alpha val="30000"/>
+                      </a:schemeClr>
+                    </a:solidFill>
+                  </a:ln>
+                  <a:latin typeface="맑은 고딕" panose="020B0503020000020004" pitchFamily="50" charset="-127"/>
+                  <a:ea typeface="맑은 고딕" panose="020B0503020000020004" pitchFamily="50" charset="-127"/>
+                </a:rPr>
+                <a:t>() {</a:t>
               </a:r>
             </a:p>
             <a:p>
@@ -16510,9 +16538,9 @@
         <p:grpSpPr>
           <a:xfrm>
             <a:off x="159191" y="1412673"/>
-            <a:ext cx="8639576" cy="2822996"/>
+            <a:ext cx="8639576" cy="3457400"/>
             <a:chOff x="5203632" y="2171892"/>
-            <a:chExt cx="5277678" cy="2822996"/>
+            <a:chExt cx="5277678" cy="3457400"/>
           </a:xfrm>
         </p:grpSpPr>
         <p:sp>
@@ -16575,7 +16603,7 @@
           <p:spPr>
             <a:xfrm>
               <a:off x="5203632" y="2722278"/>
-              <a:ext cx="5277678" cy="2272610"/>
+              <a:ext cx="5277678" cy="2907014"/>
             </a:xfrm>
             <a:prstGeom prst="rect">
               <a:avLst/>
@@ -16886,6 +16914,103 @@
                       </a:schemeClr>
                     </a:solidFill>
                   </a:ln>
+                  <a:latin typeface="맑은 고딕" panose="020B0503020000020004" pitchFamily="50" charset="-127"/>
+                  <a:ea typeface="맑은 고딕" panose="020B0503020000020004" pitchFamily="50" charset="-127"/>
+                </a:rPr>
+                <a:t>.</a:t>
+              </a:r>
+            </a:p>
+            <a:p>
+              <a:pPr marL="171450" indent="-171450" algn="just">
+                <a:lnSpc>
+                  <a:spcPct val="150000"/>
+                </a:lnSpc>
+                <a:buFont typeface="Wingdings" panose="05000000000000000000" pitchFamily="2" charset="2"/>
+                <a:buChar char="ü"/>
+              </a:pPr>
+              <a:endParaRPr lang="en-US" altLang="ko-KR" sz="1200" dirty="0">
+                <a:ln>
+                  <a:solidFill>
+                    <a:schemeClr val="tx1">
+                      <a:alpha val="30000"/>
+                    </a:schemeClr>
+                  </a:solidFill>
+                </a:ln>
+                <a:latin typeface="맑은 고딕" panose="020B0503020000020004" pitchFamily="50" charset="-127"/>
+                <a:ea typeface="맑은 고딕" panose="020B0503020000020004" pitchFamily="50" charset="-127"/>
+              </a:endParaRPr>
+            </a:p>
+            <a:p>
+              <a:pPr marL="171450" indent="-171450" algn="just">
+                <a:lnSpc>
+                  <a:spcPct val="150000"/>
+                </a:lnSpc>
+                <a:buFont typeface="Wingdings" panose="05000000000000000000" pitchFamily="2" charset="2"/>
+                <a:buChar char="ü"/>
+              </a:pPr>
+              <a:r>
+                <a:rPr lang="ko-KR" altLang="en-US" sz="1600" dirty="0">
+                  <a:ln>
+                    <a:solidFill>
+                      <a:schemeClr val="tx1">
+                        <a:alpha val="30000"/>
+                      </a:schemeClr>
+                    </a:solidFill>
+                  </a:ln>
+                  <a:solidFill>
+                    <a:srgbClr val="FF0000"/>
+                  </a:solidFill>
+                  <a:latin typeface="맑은 고딕" panose="020B0503020000020004" pitchFamily="50" charset="-127"/>
+                  <a:ea typeface="맑은 고딕" panose="020B0503020000020004" pitchFamily="50" charset="-127"/>
+                </a:rPr>
+                <a:t>클래스 간의 연관 관계를 구축하고</a:t>
+              </a:r>
+              <a:r>
+                <a:rPr lang="en-US" altLang="ko-KR" sz="1600" dirty="0">
+                  <a:ln>
+                    <a:solidFill>
+                      <a:schemeClr val="tx1">
+                        <a:alpha val="30000"/>
+                      </a:schemeClr>
+                    </a:solidFill>
+                  </a:ln>
+                  <a:solidFill>
+                    <a:srgbClr val="FF0000"/>
+                  </a:solidFill>
+                  <a:latin typeface="맑은 고딕" panose="020B0503020000020004" pitchFamily="50" charset="-127"/>
+                  <a:ea typeface="맑은 고딕" panose="020B0503020000020004" pitchFamily="50" charset="-127"/>
+                </a:rPr>
+                <a:t>, </a:t>
+              </a:r>
+              <a:r>
+                <a:rPr lang="ko-KR" altLang="en-US" sz="1600" dirty="0">
+                  <a:ln>
+                    <a:solidFill>
+                      <a:schemeClr val="tx1">
+                        <a:alpha val="30000"/>
+                      </a:schemeClr>
+                    </a:solidFill>
+                  </a:ln>
+                  <a:solidFill>
+                    <a:srgbClr val="FF0000"/>
+                  </a:solidFill>
+                  <a:latin typeface="맑은 고딕" panose="020B0503020000020004" pitchFamily="50" charset="-127"/>
+                  <a:ea typeface="맑은 고딕" panose="020B0503020000020004" pitchFamily="50" charset="-127"/>
+                </a:rPr>
+                <a:t>자신들의 기능을 하위로 확장 시켜 나가기 위함</a:t>
+              </a:r>
+              <a:r>
+                <a:rPr lang="en-US" altLang="ko-KR" sz="1600" dirty="0">
+                  <a:ln>
+                    <a:solidFill>
+                      <a:schemeClr val="tx1">
+                        <a:alpha val="30000"/>
+                      </a:schemeClr>
+                    </a:solidFill>
+                  </a:ln>
+                  <a:solidFill>
+                    <a:srgbClr val="FF0000"/>
+                  </a:solidFill>
                   <a:latin typeface="맑은 고딕" panose="020B0503020000020004" pitchFamily="50" charset="-127"/>
                   <a:ea typeface="맑은 고딕" panose="020B0503020000020004" pitchFamily="50" charset="-127"/>
                 </a:rPr>
